--- a/Figures/VectorDescription.pptx
+++ b/Figures/VectorDescription.pptx
@@ -288,7 +288,7 @@
           <a:p>
             <a:fld id="{4A558CC7-AE26-7E43-876B-01B3BA766050}" type="datetimeFigureOut">
               <a:rPr lang="da-DK" smtClean="0"/>
-              <a:t>24/05/14</a:t>
+              <a:t>29/05/14</a:t>
             </a:fld>
             <a:endParaRPr lang="en-GB"/>
           </a:p>
@@ -458,7 +458,7 @@
           <a:p>
             <a:fld id="{4A558CC7-AE26-7E43-876B-01B3BA766050}" type="datetimeFigureOut">
               <a:rPr lang="da-DK" smtClean="0"/>
-              <a:t>24/05/14</a:t>
+              <a:t>29/05/14</a:t>
             </a:fld>
             <a:endParaRPr lang="en-GB"/>
           </a:p>
@@ -638,7 +638,7 @@
           <a:p>
             <a:fld id="{4A558CC7-AE26-7E43-876B-01B3BA766050}" type="datetimeFigureOut">
               <a:rPr lang="da-DK" smtClean="0"/>
-              <a:t>24/05/14</a:t>
+              <a:t>29/05/14</a:t>
             </a:fld>
             <a:endParaRPr lang="en-GB"/>
           </a:p>
@@ -808,7 +808,7 @@
           <a:p>
             <a:fld id="{4A558CC7-AE26-7E43-876B-01B3BA766050}" type="datetimeFigureOut">
               <a:rPr lang="da-DK" smtClean="0"/>
-              <a:t>24/05/14</a:t>
+              <a:t>29/05/14</a:t>
             </a:fld>
             <a:endParaRPr lang="en-GB"/>
           </a:p>
@@ -1054,7 +1054,7 @@
           <a:p>
             <a:fld id="{4A558CC7-AE26-7E43-876B-01B3BA766050}" type="datetimeFigureOut">
               <a:rPr lang="da-DK" smtClean="0"/>
-              <a:t>24/05/14</a:t>
+              <a:t>29/05/14</a:t>
             </a:fld>
             <a:endParaRPr lang="en-GB"/>
           </a:p>
@@ -1342,7 +1342,7 @@
           <a:p>
             <a:fld id="{4A558CC7-AE26-7E43-876B-01B3BA766050}" type="datetimeFigureOut">
               <a:rPr lang="da-DK" smtClean="0"/>
-              <a:t>24/05/14</a:t>
+              <a:t>29/05/14</a:t>
             </a:fld>
             <a:endParaRPr lang="en-GB"/>
           </a:p>
@@ -1764,7 +1764,7 @@
           <a:p>
             <a:fld id="{4A558CC7-AE26-7E43-876B-01B3BA766050}" type="datetimeFigureOut">
               <a:rPr lang="da-DK" smtClean="0"/>
-              <a:t>24/05/14</a:t>
+              <a:t>29/05/14</a:t>
             </a:fld>
             <a:endParaRPr lang="en-GB"/>
           </a:p>
@@ -1882,7 +1882,7 @@
           <a:p>
             <a:fld id="{4A558CC7-AE26-7E43-876B-01B3BA766050}" type="datetimeFigureOut">
               <a:rPr lang="da-DK" smtClean="0"/>
-              <a:t>24/05/14</a:t>
+              <a:t>29/05/14</a:t>
             </a:fld>
             <a:endParaRPr lang="en-GB"/>
           </a:p>
@@ -1977,7 +1977,7 @@
           <a:p>
             <a:fld id="{4A558CC7-AE26-7E43-876B-01B3BA766050}" type="datetimeFigureOut">
               <a:rPr lang="da-DK" smtClean="0"/>
-              <a:t>24/05/14</a:t>
+              <a:t>29/05/14</a:t>
             </a:fld>
             <a:endParaRPr lang="en-GB"/>
           </a:p>
@@ -2254,7 +2254,7 @@
           <a:p>
             <a:fld id="{4A558CC7-AE26-7E43-876B-01B3BA766050}" type="datetimeFigureOut">
               <a:rPr lang="da-DK" smtClean="0"/>
-              <a:t>24/05/14</a:t>
+              <a:t>29/05/14</a:t>
             </a:fld>
             <a:endParaRPr lang="en-GB"/>
           </a:p>
@@ -2507,7 +2507,7 @@
           <a:p>
             <a:fld id="{4A558CC7-AE26-7E43-876B-01B3BA766050}" type="datetimeFigureOut">
               <a:rPr lang="da-DK" smtClean="0"/>
-              <a:t>24/05/14</a:t>
+              <a:t>29/05/14</a:t>
             </a:fld>
             <a:endParaRPr lang="en-GB"/>
           </a:p>
@@ -2720,7 +2720,7 @@
           <a:p>
             <a:fld id="{4A558CC7-AE26-7E43-876B-01B3BA766050}" type="datetimeFigureOut">
               <a:rPr lang="da-DK" smtClean="0"/>
-              <a:t>24/05/14</a:t>
+              <a:t>29/05/14</a:t>
             </a:fld>
             <a:endParaRPr lang="en-GB"/>
           </a:p>
@@ -3103,8 +3103,8 @@
         </p:nvSpPr>
         <p:spPr>
           <a:xfrm>
-            <a:off x="345325" y="2967335"/>
-            <a:ext cx="8094959" cy="1754327"/>
+            <a:off x="1183524" y="2493290"/>
+            <a:ext cx="7822649" cy="2031325"/>
           </a:xfrm>
           <a:prstGeom prst="rect">
             <a:avLst/>
@@ -3330,6 +3330,22 @@
               </a:rPr>
               <a:t> = </a:t>
             </a:r>
+            <a:endParaRPr lang="en-GB" dirty="0" smtClean="0">
+              <a:latin typeface="Lucida Console"/>
+              <a:cs typeface="Lucida Console"/>
+            </a:endParaRPr>
+          </a:p>
+          <a:p>
+            <a:r>
+              <a:rPr lang="en-GB" dirty="0">
+                <a:solidFill>
+                  <a:srgbClr val="9BBB59"/>
+                </a:solidFill>
+                <a:latin typeface="Lucida Console"/>
+                <a:cs typeface="Lucida Console"/>
+              </a:rPr>
+              <a:t>	</a:t>
+            </a:r>
             <a:r>
               <a:rPr lang="en-GB" dirty="0" err="1" smtClean="0">
                 <a:solidFill>
@@ -3360,10 +3376,20 @@
               </a:rPr>
               <a:t>Bool </a:t>
             </a:r>
-          </a:p>
-          <a:p>
-            <a:r>
-              <a:rPr lang="en-GB" dirty="0">
+            <a:endParaRPr lang="en-GB" dirty="0">
+              <a:solidFill>
+                <a:srgbClr val="8EB4E3"/>
+              </a:solidFill>
+              <a:latin typeface="Lucida Console"/>
+              <a:cs typeface="Lucida Console"/>
+            </a:endParaRPr>
+          </a:p>
+          <a:p>
+            <a:r>
+              <a:rPr lang="en-GB" dirty="0" smtClean="0">
+                <a:solidFill>
+                  <a:srgbClr val="8EB4E3"/>
+                </a:solidFill>
                 <a:latin typeface="Lucida Console"/>
                 <a:cs typeface="Lucida Console"/>
               </a:rPr>
@@ -3374,7 +3400,14 @@
                 <a:latin typeface="Lucida Console"/>
                 <a:cs typeface="Lucida Console"/>
               </a:rPr>
-              <a:t>(\</a:t>
+              <a:t>(</a:t>
+            </a:r>
+            <a:r>
+              <a:rPr lang="en-GB" dirty="0" smtClean="0">
+                <a:latin typeface="Lucida Console"/>
+                <a:cs typeface="Lucida Console"/>
+              </a:rPr>
+              <a:t>\</a:t>
             </a:r>
             <a:r>
               <a:rPr lang="en-GB" dirty="0" err="1" smtClean="0">
@@ -3401,7 +3434,14 @@
                 <a:latin typeface="Lucida Console"/>
                 <a:cs typeface="Lucida Console"/>
               </a:rPr>
-              <a:t>=&gt; </a:t>
+              <a:t>=</a:t>
+            </a:r>
+            <a:r>
+              <a:rPr lang="en-GB" dirty="0" smtClean="0">
+                <a:latin typeface="Lucida Console"/>
+                <a:cs typeface="Lucida Console"/>
+              </a:rPr>
+              <a:t>&gt; </a:t>
             </a:r>
             <a:r>
               <a:rPr lang="en-GB" b="1" dirty="0" smtClean="0">
@@ -3441,7 +3481,21 @@
                 <a:latin typeface="Lucida Console"/>
                 <a:cs typeface="Lucida Console"/>
               </a:rPr>
-              <a:t>				 </a:t>
+              <a:t>	</a:t>
+            </a:r>
+            <a:r>
+              <a:rPr lang="en-GB" dirty="0" smtClean="0">
+                <a:latin typeface="Lucida Console"/>
+                <a:cs typeface="Lucida Console"/>
+              </a:rPr>
+              <a:t>     </a:t>
+            </a:r>
+            <a:r>
+              <a:rPr lang="en-GB" dirty="0" smtClean="0">
+                <a:latin typeface="Lucida Console"/>
+                <a:cs typeface="Lucida Console"/>
+              </a:rPr>
+              <a:t>	</a:t>
             </a:r>
             <a:r>
               <a:rPr lang="en-GB" b="1" dirty="0" smtClean="0">
@@ -3488,7 +3542,7 @@
                 <a:latin typeface="Lucida Console"/>
                 <a:cs typeface="Lucida Console"/>
               </a:rPr>
-              <a:t>			 </a:t>
+              <a:t>		</a:t>
             </a:r>
             <a:r>
               <a:rPr lang="en-GB" b="1" dirty="0" smtClean="0">
@@ -3556,7 +3610,7 @@
                 <a:latin typeface="Lucida Console"/>
                 <a:cs typeface="Lucida Console"/>
               </a:rPr>
-              <a:t> =</a:t>
+              <a:t>=</a:t>
             </a:r>
             <a:r>
               <a:rPr lang="en-GB" dirty="0" smtClean="0">
@@ -3564,6 +3618,32 @@
                 <a:cs typeface="Lucida Console"/>
               </a:rPr>
               <a:t>&gt; </a:t>
+            </a:r>
+            <a:endParaRPr lang="en-GB" dirty="0" smtClean="0">
+              <a:latin typeface="Lucida Console"/>
+              <a:cs typeface="Lucida Console"/>
+            </a:endParaRPr>
+          </a:p>
+          <a:p>
+            <a:r>
+              <a:rPr lang="en-GB" dirty="0">
+                <a:solidFill>
+                  <a:schemeClr val="accent3"/>
+                </a:solidFill>
+                <a:latin typeface="Lucida Console"/>
+                <a:cs typeface="Lucida Console"/>
+              </a:rPr>
+              <a:t>	</a:t>
+            </a:r>
+            <a:r>
+              <a:rPr lang="en-GB" dirty="0" smtClean="0">
+                <a:solidFill>
+                  <a:schemeClr val="accent3"/>
+                </a:solidFill>
+                <a:latin typeface="Lucida Console"/>
+                <a:cs typeface="Lucida Console"/>
+              </a:rPr>
+              <a:t>					   </a:t>
             </a:r>
             <a:r>
               <a:rPr lang="en-GB" dirty="0" err="1" smtClean="0">
@@ -3598,125 +3678,920 @@
               </a:rPr>
               <a:t>a </a:t>
             </a:r>
-          </a:p>
-          <a:p>
-            <a:r>
-              <a:rPr lang="en-GB" dirty="0">
-                <a:latin typeface="Lucida Console"/>
-                <a:cs typeface="Lucida Console"/>
-              </a:rPr>
+            <a:r>
+              <a:rPr lang="en-GB" dirty="0" smtClean="0">
+                <a:latin typeface="Lucida Console"/>
+                <a:cs typeface="Lucida Console"/>
+              </a:rPr>
+              <a:t>(</a:t>
+            </a:r>
+            <a:r>
+              <a:rPr lang="en-GB" dirty="0" smtClean="0">
+                <a:latin typeface="Lucida Console"/>
+                <a:cs typeface="Lucida Console"/>
+              </a:rPr>
+              <a:t>\</a:t>
+            </a:r>
+            <a:r>
+              <a:rPr lang="en-GB" dirty="0" smtClean="0">
+                <a:latin typeface="Lucida Console"/>
+                <a:cs typeface="Lucida Console"/>
+              </a:rPr>
+              <a:t>_=</a:t>
+            </a:r>
+            <a:r>
+              <a:rPr lang="en-GB" dirty="0" smtClean="0">
+                <a:latin typeface="Lucida Console"/>
+                <a:cs typeface="Lucida Console"/>
+              </a:rPr>
+              <a:t>&gt; </a:t>
+            </a:r>
+            <a:r>
+              <a:rPr lang="en-GB" dirty="0" smtClean="0">
+                <a:solidFill>
+                  <a:srgbClr val="9BBB59"/>
+                </a:solidFill>
+                <a:latin typeface="Lucida Console"/>
+                <a:cs typeface="Lucida Console"/>
+              </a:rPr>
+              <a:t>Rec</a:t>
+            </a:r>
+            <a:r>
+              <a:rPr lang="en-GB" dirty="0" smtClean="0">
+                <a:latin typeface="Lucida Console"/>
+                <a:cs typeface="Lucida Console"/>
+              </a:rPr>
+              <a:t> </a:t>
+            </a:r>
+            <a:r>
+              <a:rPr lang="en-GB" dirty="0" smtClean="0">
+                <a:solidFill>
+                  <a:srgbClr val="E6B9B8"/>
+                </a:solidFill>
+                <a:latin typeface="Lucida Console"/>
+                <a:cs typeface="Lucida Console"/>
+              </a:rPr>
+              <a:t>n</a:t>
+            </a:r>
+            <a:r>
+              <a:rPr lang="en-GB" dirty="0" smtClean="0">
+                <a:latin typeface="Lucida Console"/>
+                <a:cs typeface="Lucida Console"/>
+              </a:rPr>
+              <a:t> (</a:t>
+            </a:r>
+            <a:r>
+              <a:rPr lang="en-GB" dirty="0" smtClean="0">
+                <a:solidFill>
+                  <a:srgbClr val="9BBB59"/>
+                </a:solidFill>
+                <a:latin typeface="Lucida Console"/>
+                <a:cs typeface="Lucida Console"/>
+              </a:rPr>
+              <a:t>Ret</a:t>
+            </a:r>
+            <a:r>
+              <a:rPr lang="en-GB" dirty="0" smtClean="0">
+                <a:latin typeface="Lucida Console"/>
+                <a:cs typeface="Lucida Console"/>
+              </a:rPr>
+              <a:t> (</a:t>
+            </a:r>
+            <a:r>
+              <a:rPr lang="en-GB" dirty="0" smtClean="0">
+                <a:solidFill>
+                  <a:srgbClr val="9BBB59"/>
+                </a:solidFill>
+                <a:latin typeface="Lucida Console"/>
+                <a:cs typeface="Lucida Console"/>
+              </a:rPr>
+              <a:t>S</a:t>
+            </a:r>
+            <a:r>
+              <a:rPr lang="en-GB" dirty="0" smtClean="0">
+                <a:latin typeface="Lucida Console"/>
+                <a:cs typeface="Lucida Console"/>
+              </a:rPr>
+              <a:t> </a:t>
+            </a:r>
+            <a:r>
+              <a:rPr lang="en-GB" dirty="0" smtClean="0">
+                <a:solidFill>
+                  <a:srgbClr val="E6B9B8"/>
+                </a:solidFill>
+                <a:latin typeface="Lucida Console"/>
+                <a:cs typeface="Lucida Console"/>
+              </a:rPr>
+              <a:t>n</a:t>
+            </a:r>
+            <a:r>
+              <a:rPr lang="en-GB" dirty="0" smtClean="0">
+                <a:latin typeface="Lucida Console"/>
+                <a:cs typeface="Lucida Console"/>
+              </a:rPr>
+              <a:t>)))))</a:t>
+            </a:r>
+          </a:p>
+        </p:txBody>
+      </p:sp>
+      <p:sp>
+        <p:nvSpPr>
+          <p:cNvPr id="3" name="Venstre klammeparentes 2"/>
+          <p:cNvSpPr/>
+          <p:nvPr/>
+        </p:nvSpPr>
+        <p:spPr>
+          <a:xfrm>
+            <a:off x="1368079" y="3175331"/>
+            <a:ext cx="304800" cy="1343163"/>
+          </a:xfrm>
+          <a:prstGeom prst="leftBrace">
+            <a:avLst/>
+          </a:prstGeom>
+          <a:ln/>
+        </p:spPr>
+        <p:style>
+          <a:lnRef idx="3">
+            <a:schemeClr val="dk1"/>
+          </a:lnRef>
+          <a:fillRef idx="0">
+            <a:schemeClr val="dk1"/>
+          </a:fillRef>
+          <a:effectRef idx="2">
+            <a:schemeClr val="dk1"/>
+          </a:effectRef>
+          <a:fontRef idx="minor">
+            <a:schemeClr val="tx1"/>
+          </a:fontRef>
+        </p:style>
+        <p:txBody>
+          <a:bodyPr/>
+          <a:lstStyle/>
+          <a:p>
+            <a:endParaRPr lang="en-GB"/>
+          </a:p>
+        </p:txBody>
+      </p:sp>
+      <p:sp>
+        <p:nvSpPr>
+          <p:cNvPr id="6" name="Tekstfelt 5"/>
+          <p:cNvSpPr txBox="1"/>
+          <p:nvPr/>
+        </p:nvSpPr>
+        <p:spPr>
+          <a:xfrm rot="19553432">
+            <a:off x="-102047" y="3608644"/>
+            <a:ext cx="1743687" cy="646331"/>
+          </a:xfrm>
+          <a:prstGeom prst="rect">
+            <a:avLst/>
+          </a:prstGeom>
+          <a:noFill/>
+        </p:spPr>
+        <p:txBody>
+          <a:bodyPr wrap="none" rtlCol="0">
+            <a:spAutoFit/>
+          </a:bodyPr>
+          <a:lstStyle/>
+          <a:p>
+            <a:r>
+              <a:rPr lang="en-GB" dirty="0"/>
+              <a:t>d</a:t>
+            </a:r>
+            <a:r>
+              <a:rPr lang="en-GB" dirty="0" smtClean="0"/>
+              <a:t>ata </a:t>
+            </a:r>
+            <a:r>
+              <a:rPr lang="en-GB" dirty="0" smtClean="0"/>
+              <a:t>constructor</a:t>
+            </a:r>
+          </a:p>
+          <a:p>
+            <a:r>
+              <a:rPr lang="en-GB" dirty="0"/>
               <a:t>	</a:t>
             </a:r>
             <a:r>
-              <a:rPr lang="en-GB" dirty="0" smtClean="0">
-                <a:latin typeface="Lucida Console"/>
-                <a:cs typeface="Lucida Console"/>
-              </a:rPr>
-              <a:t>								</a:t>
-            </a:r>
-            <a:r>
-              <a:rPr lang="en-GB" dirty="0" smtClean="0">
-                <a:latin typeface="Lucida Console"/>
-                <a:cs typeface="Lucida Console"/>
-              </a:rPr>
-              <a:t>(\_ =&gt; </a:t>
-            </a:r>
-            <a:r>
-              <a:rPr lang="en-GB" dirty="0" smtClean="0">
-                <a:solidFill>
-                  <a:srgbClr val="9BBB59"/>
-                </a:solidFill>
-                <a:latin typeface="Lucida Console"/>
-                <a:cs typeface="Lucida Console"/>
-              </a:rPr>
-              <a:t>Rec</a:t>
-            </a:r>
-            <a:r>
-              <a:rPr lang="en-GB" dirty="0" smtClean="0">
-                <a:latin typeface="Lucida Console"/>
-                <a:cs typeface="Lucida Console"/>
-              </a:rPr>
-              <a:t> </a:t>
-            </a:r>
-            <a:r>
-              <a:rPr lang="en-GB" dirty="0" smtClean="0">
-                <a:solidFill>
-                  <a:srgbClr val="E6B9B8"/>
-                </a:solidFill>
-                <a:latin typeface="Lucida Console"/>
-                <a:cs typeface="Lucida Console"/>
-              </a:rPr>
-              <a:t>n</a:t>
-            </a:r>
-            <a:r>
-              <a:rPr lang="en-GB" dirty="0" smtClean="0">
-                <a:latin typeface="Lucida Console"/>
-                <a:cs typeface="Lucida Console"/>
-              </a:rPr>
-              <a:t> (</a:t>
-            </a:r>
-            <a:r>
-              <a:rPr lang="en-GB" dirty="0" smtClean="0">
-                <a:solidFill>
-                  <a:srgbClr val="9BBB59"/>
-                </a:solidFill>
-                <a:latin typeface="Lucida Console"/>
-                <a:cs typeface="Lucida Console"/>
-              </a:rPr>
-              <a:t>Ret</a:t>
-            </a:r>
-            <a:r>
-              <a:rPr lang="en-GB" dirty="0" smtClean="0">
-                <a:latin typeface="Lucida Console"/>
-                <a:cs typeface="Lucida Console"/>
-              </a:rPr>
-              <a:t> (</a:t>
-            </a:r>
-            <a:r>
-              <a:rPr lang="en-GB" dirty="0" smtClean="0">
-                <a:solidFill>
-                  <a:srgbClr val="9BBB59"/>
-                </a:solidFill>
-                <a:latin typeface="Lucida Console"/>
-                <a:cs typeface="Lucida Console"/>
-              </a:rPr>
-              <a:t>S</a:t>
-            </a:r>
-            <a:r>
-              <a:rPr lang="en-GB" dirty="0" smtClean="0">
-                <a:latin typeface="Lucida Console"/>
-                <a:cs typeface="Lucida Console"/>
-              </a:rPr>
-              <a:t> </a:t>
-            </a:r>
-            <a:r>
-              <a:rPr lang="en-GB" dirty="0" smtClean="0">
-                <a:solidFill>
-                  <a:srgbClr val="E6B9B8"/>
-                </a:solidFill>
-                <a:latin typeface="Lucida Console"/>
-                <a:cs typeface="Lucida Console"/>
-              </a:rPr>
-              <a:t>n</a:t>
-            </a:r>
-            <a:r>
-              <a:rPr lang="en-GB" dirty="0" smtClean="0">
-                <a:latin typeface="Lucida Console"/>
-                <a:cs typeface="Lucida Console"/>
-              </a:rPr>
-              <a:t>)))</a:t>
-            </a:r>
-            <a:r>
-              <a:rPr lang="en-GB" dirty="0" smtClean="0">
-                <a:latin typeface="Lucida Console"/>
-                <a:cs typeface="Lucida Console"/>
-              </a:rPr>
-              <a:t>))</a:t>
-            </a:r>
-            <a:endParaRPr lang="en-GB" dirty="0" smtClean="0">
-              <a:latin typeface="Lucida Console"/>
-              <a:cs typeface="Lucida Console"/>
+              <a:rPr lang="en-GB" dirty="0" smtClean="0"/>
+              <a:t>choice</a:t>
+            </a:r>
+            <a:endParaRPr lang="en-GB" dirty="0"/>
+          </a:p>
+        </p:txBody>
+      </p:sp>
+      <p:sp>
+        <p:nvSpPr>
+          <p:cNvPr id="7" name="Venstre klammeparentes 6"/>
+          <p:cNvSpPr/>
+          <p:nvPr/>
+        </p:nvSpPr>
+        <p:spPr>
+          <a:xfrm rot="5400000" flipV="1">
+            <a:off x="3199223" y="1718587"/>
+            <a:ext cx="304802" cy="1244601"/>
+          </a:xfrm>
+          <a:prstGeom prst="leftBrace">
+            <a:avLst/>
+          </a:prstGeom>
+          <a:ln/>
+        </p:spPr>
+        <p:style>
+          <a:lnRef idx="3">
+            <a:schemeClr val="dk1"/>
+          </a:lnRef>
+          <a:fillRef idx="0">
+            <a:schemeClr val="dk1"/>
+          </a:fillRef>
+          <a:effectRef idx="2">
+            <a:schemeClr val="dk1"/>
+          </a:effectRef>
+          <a:fontRef idx="minor">
+            <a:schemeClr val="tx1"/>
+          </a:fontRef>
+        </p:style>
+        <p:txBody>
+          <a:bodyPr/>
+          <a:lstStyle/>
+          <a:p>
+            <a:endParaRPr lang="en-GB">
+              <a:ln>
+                <a:solidFill>
+                  <a:srgbClr val="000000"/>
+                </a:solidFill>
+              </a:ln>
             </a:endParaRPr>
+          </a:p>
+        </p:txBody>
+      </p:sp>
+      <p:sp>
+        <p:nvSpPr>
+          <p:cNvPr id="8" name="Venstre klammeparentes 7"/>
+          <p:cNvSpPr/>
+          <p:nvPr/>
+        </p:nvSpPr>
+        <p:spPr>
+          <a:xfrm rot="5400000" flipV="1">
+            <a:off x="5364075" y="2053434"/>
+            <a:ext cx="304801" cy="574911"/>
+          </a:xfrm>
+          <a:prstGeom prst="leftBrace">
+            <a:avLst/>
+          </a:prstGeom>
+          <a:ln/>
+        </p:spPr>
+        <p:style>
+          <a:lnRef idx="3">
+            <a:schemeClr val="dk1"/>
+          </a:lnRef>
+          <a:fillRef idx="0">
+            <a:schemeClr val="dk1"/>
+          </a:fillRef>
+          <a:effectRef idx="2">
+            <a:schemeClr val="dk1"/>
+          </a:effectRef>
+          <a:fontRef idx="minor">
+            <a:schemeClr val="tx1"/>
+          </a:fontRef>
+        </p:style>
+        <p:txBody>
+          <a:bodyPr/>
+          <a:lstStyle/>
+          <a:p>
+            <a:endParaRPr lang="en-GB">
+              <a:ln>
+                <a:solidFill>
+                  <a:srgbClr val="000000"/>
+                </a:solidFill>
+              </a:ln>
+            </a:endParaRPr>
+          </a:p>
+        </p:txBody>
+      </p:sp>
+      <p:sp>
+        <p:nvSpPr>
+          <p:cNvPr id="9" name="Tekstfelt 8"/>
+          <p:cNvSpPr txBox="1"/>
+          <p:nvPr/>
+        </p:nvSpPr>
+        <p:spPr>
+          <a:xfrm rot="19553432">
+            <a:off x="2976075" y="1388406"/>
+            <a:ext cx="1649573" cy="369332"/>
+          </a:xfrm>
+          <a:prstGeom prst="rect">
+            <a:avLst/>
+          </a:prstGeom>
+          <a:noFill/>
+        </p:spPr>
+        <p:txBody>
+          <a:bodyPr wrap="none" rtlCol="0">
+            <a:spAutoFit/>
+          </a:bodyPr>
+          <a:lstStyle/>
+          <a:p>
+            <a:r>
+              <a:rPr lang="en-GB" dirty="0" smtClean="0"/>
+              <a:t>parameter type</a:t>
+            </a:r>
+            <a:endParaRPr lang="en-GB" dirty="0"/>
+          </a:p>
+        </p:txBody>
+      </p:sp>
+      <p:sp>
+        <p:nvSpPr>
+          <p:cNvPr id="10" name="Tekstfelt 9"/>
+          <p:cNvSpPr txBox="1"/>
+          <p:nvPr/>
+        </p:nvSpPr>
+        <p:spPr>
+          <a:xfrm rot="19553432">
+            <a:off x="5075163" y="1526168"/>
+            <a:ext cx="1165140" cy="369332"/>
+          </a:xfrm>
+          <a:prstGeom prst="rect">
+            <a:avLst/>
+          </a:prstGeom>
+          <a:noFill/>
+        </p:spPr>
+        <p:txBody>
+          <a:bodyPr wrap="none" rtlCol="0">
+            <a:spAutoFit/>
+          </a:bodyPr>
+          <a:lstStyle/>
+          <a:p>
+            <a:r>
+              <a:rPr lang="en-GB" dirty="0" smtClean="0"/>
+              <a:t>index type</a:t>
+            </a:r>
+            <a:endParaRPr lang="en-GB" dirty="0"/>
+          </a:p>
+        </p:txBody>
+      </p:sp>
+      <p:sp>
+        <p:nvSpPr>
+          <p:cNvPr id="11" name="Venstre klammeparentes 10"/>
+          <p:cNvSpPr/>
+          <p:nvPr/>
+        </p:nvSpPr>
+        <p:spPr>
+          <a:xfrm rot="5400000" flipV="1">
+            <a:off x="3477982" y="-1336803"/>
+            <a:ext cx="304805" cy="4893722"/>
+          </a:xfrm>
+          <a:prstGeom prst="leftBrace">
+            <a:avLst/>
+          </a:prstGeom>
+          <a:ln/>
+        </p:spPr>
+        <p:style>
+          <a:lnRef idx="3">
+            <a:schemeClr val="dk1"/>
+          </a:lnRef>
+          <a:fillRef idx="0">
+            <a:schemeClr val="dk1"/>
+          </a:fillRef>
+          <a:effectRef idx="2">
+            <a:schemeClr val="dk1"/>
+          </a:effectRef>
+          <a:fontRef idx="minor">
+            <a:schemeClr val="tx1"/>
+          </a:fontRef>
+        </p:style>
+        <p:txBody>
+          <a:bodyPr/>
+          <a:lstStyle/>
+          <a:p>
+            <a:endParaRPr lang="en-GB">
+              <a:ln>
+                <a:solidFill>
+                  <a:srgbClr val="000000"/>
+                </a:solidFill>
+              </a:ln>
+            </a:endParaRPr>
+          </a:p>
+        </p:txBody>
+      </p:sp>
+      <p:sp>
+        <p:nvSpPr>
+          <p:cNvPr id="12" name="Tekstfelt 11"/>
+          <p:cNvSpPr txBox="1"/>
+          <p:nvPr/>
+        </p:nvSpPr>
+        <p:spPr>
+          <a:xfrm rot="19553432">
+            <a:off x="3062439" y="171471"/>
+            <a:ext cx="1235021" cy="646331"/>
+          </a:xfrm>
+          <a:prstGeom prst="rect">
+            <a:avLst/>
+          </a:prstGeom>
+          <a:noFill/>
+        </p:spPr>
+        <p:txBody>
+          <a:bodyPr wrap="none" rtlCol="0">
+            <a:spAutoFit/>
+          </a:bodyPr>
+          <a:lstStyle/>
+          <a:p>
+            <a:pPr algn="ctr"/>
+            <a:r>
+              <a:rPr lang="en-GB" dirty="0" err="1" smtClean="0"/>
+              <a:t>datatype</a:t>
+            </a:r>
+            <a:endParaRPr lang="en-GB" dirty="0" smtClean="0"/>
+          </a:p>
+          <a:p>
+            <a:pPr algn="ctr"/>
+            <a:r>
+              <a:rPr lang="en-GB" dirty="0" smtClean="0"/>
+              <a:t>d</a:t>
+            </a:r>
+            <a:r>
+              <a:rPr lang="en-GB" dirty="0" smtClean="0"/>
+              <a:t>escription</a:t>
+            </a:r>
+          </a:p>
+        </p:txBody>
+      </p:sp>
+      <p:sp>
+        <p:nvSpPr>
+          <p:cNvPr id="13" name="Venstre klammeparentes 12"/>
+          <p:cNvSpPr/>
+          <p:nvPr/>
+        </p:nvSpPr>
+        <p:spPr>
+          <a:xfrm rot="16200000">
+            <a:off x="3588590" y="4136748"/>
+            <a:ext cx="304802" cy="1107594"/>
+          </a:xfrm>
+          <a:prstGeom prst="leftBrace">
+            <a:avLst/>
+          </a:prstGeom>
+          <a:ln/>
+        </p:spPr>
+        <p:style>
+          <a:lnRef idx="3">
+            <a:schemeClr val="dk1"/>
+          </a:lnRef>
+          <a:fillRef idx="0">
+            <a:schemeClr val="dk1"/>
+          </a:fillRef>
+          <a:effectRef idx="2">
+            <a:schemeClr val="dk1"/>
+          </a:effectRef>
+          <a:fontRef idx="minor">
+            <a:schemeClr val="tx1"/>
+          </a:fontRef>
+        </p:style>
+        <p:txBody>
+          <a:bodyPr/>
+          <a:lstStyle/>
+          <a:p>
+            <a:endParaRPr lang="en-GB">
+              <a:ln>
+                <a:solidFill>
+                  <a:srgbClr val="000000"/>
+                </a:solidFill>
+              </a:ln>
+            </a:endParaRPr>
+          </a:p>
+        </p:txBody>
+      </p:sp>
+      <p:sp>
+        <p:nvSpPr>
+          <p:cNvPr id="14" name="Venstre klammeparentes 13"/>
+          <p:cNvSpPr/>
+          <p:nvPr/>
+        </p:nvSpPr>
+        <p:spPr>
+          <a:xfrm rot="16200000">
+            <a:off x="4693367" y="4302025"/>
+            <a:ext cx="304802" cy="777039"/>
+          </a:xfrm>
+          <a:prstGeom prst="leftBrace">
+            <a:avLst/>
+          </a:prstGeom>
+          <a:ln/>
+        </p:spPr>
+        <p:style>
+          <a:lnRef idx="3">
+            <a:schemeClr val="dk1"/>
+          </a:lnRef>
+          <a:fillRef idx="0">
+            <a:schemeClr val="dk1"/>
+          </a:fillRef>
+          <a:effectRef idx="2">
+            <a:schemeClr val="dk1"/>
+          </a:effectRef>
+          <a:fontRef idx="minor">
+            <a:schemeClr val="tx1"/>
+          </a:fontRef>
+        </p:style>
+        <p:txBody>
+          <a:bodyPr/>
+          <a:lstStyle/>
+          <a:p>
+            <a:endParaRPr lang="en-GB">
+              <a:ln>
+                <a:solidFill>
+                  <a:srgbClr val="000000"/>
+                </a:solidFill>
+              </a:ln>
+            </a:endParaRPr>
+          </a:p>
+        </p:txBody>
+      </p:sp>
+      <p:sp>
+        <p:nvSpPr>
+          <p:cNvPr id="15" name="Venstre klammeparentes 14"/>
+          <p:cNvSpPr/>
+          <p:nvPr/>
+        </p:nvSpPr>
+        <p:spPr>
+          <a:xfrm rot="16200000">
+            <a:off x="6313365" y="4302025"/>
+            <a:ext cx="304802" cy="777039"/>
+          </a:xfrm>
+          <a:prstGeom prst="leftBrace">
+            <a:avLst/>
+          </a:prstGeom>
+          <a:ln/>
+        </p:spPr>
+        <p:style>
+          <a:lnRef idx="3">
+            <a:schemeClr val="dk1"/>
+          </a:lnRef>
+          <a:fillRef idx="0">
+            <a:schemeClr val="dk1"/>
+          </a:fillRef>
+          <a:effectRef idx="2">
+            <a:schemeClr val="dk1"/>
+          </a:effectRef>
+          <a:fontRef idx="minor">
+            <a:schemeClr val="tx1"/>
+          </a:fontRef>
+        </p:style>
+        <p:txBody>
+          <a:bodyPr/>
+          <a:lstStyle/>
+          <a:p>
+            <a:endParaRPr lang="en-GB">
+              <a:ln>
+                <a:solidFill>
+                  <a:srgbClr val="000000"/>
+                </a:solidFill>
+              </a:ln>
+            </a:endParaRPr>
+          </a:p>
+        </p:txBody>
+      </p:sp>
+      <p:sp>
+        <p:nvSpPr>
+          <p:cNvPr id="16" name="Venstre klammeparentes 15"/>
+          <p:cNvSpPr/>
+          <p:nvPr/>
+        </p:nvSpPr>
+        <p:spPr>
+          <a:xfrm rot="16200000">
+            <a:off x="7774867" y="4354340"/>
+            <a:ext cx="302546" cy="643096"/>
+          </a:xfrm>
+          <a:prstGeom prst="leftBrace">
+            <a:avLst/>
+          </a:prstGeom>
+          <a:ln/>
+        </p:spPr>
+        <p:style>
+          <a:lnRef idx="3">
+            <a:schemeClr val="dk1"/>
+          </a:lnRef>
+          <a:fillRef idx="0">
+            <a:schemeClr val="dk1"/>
+          </a:fillRef>
+          <a:effectRef idx="2">
+            <a:schemeClr val="dk1"/>
+          </a:effectRef>
+          <a:fontRef idx="minor">
+            <a:schemeClr val="tx1"/>
+          </a:fontRef>
+        </p:style>
+        <p:txBody>
+          <a:bodyPr/>
+          <a:lstStyle/>
+          <a:p>
+            <a:endParaRPr lang="en-GB">
+              <a:ln>
+                <a:solidFill>
+                  <a:srgbClr val="000000"/>
+                </a:solidFill>
+              </a:ln>
+            </a:endParaRPr>
+          </a:p>
+        </p:txBody>
+      </p:sp>
+      <p:sp>
+        <p:nvSpPr>
+          <p:cNvPr id="18" name="Tekstfelt 17"/>
+          <p:cNvSpPr txBox="1"/>
+          <p:nvPr/>
+        </p:nvSpPr>
+        <p:spPr>
+          <a:xfrm rot="19553432">
+            <a:off x="2869976" y="5121847"/>
+            <a:ext cx="1107996" cy="369332"/>
+          </a:xfrm>
+          <a:prstGeom prst="rect">
+            <a:avLst/>
+          </a:prstGeom>
+          <a:noFill/>
+        </p:spPr>
+        <p:txBody>
+          <a:bodyPr wrap="none" rtlCol="0">
+            <a:spAutoFit/>
+          </a:bodyPr>
+          <a:lstStyle/>
+          <a:p>
+            <a:r>
+              <a:rPr lang="en-GB" dirty="0" smtClean="0"/>
+              <a:t>argument</a:t>
+            </a:r>
+            <a:endParaRPr lang="en-GB" dirty="0"/>
+          </a:p>
+        </p:txBody>
+      </p:sp>
+      <p:sp>
+        <p:nvSpPr>
+          <p:cNvPr id="19" name="Tekstfelt 18"/>
+          <p:cNvSpPr txBox="1"/>
+          <p:nvPr/>
+        </p:nvSpPr>
+        <p:spPr>
+          <a:xfrm rot="19553432">
+            <a:off x="3982176" y="5121848"/>
+            <a:ext cx="1107996" cy="369332"/>
+          </a:xfrm>
+          <a:prstGeom prst="rect">
+            <a:avLst/>
+          </a:prstGeom>
+          <a:noFill/>
+        </p:spPr>
+        <p:txBody>
+          <a:bodyPr wrap="none" rtlCol="0">
+            <a:spAutoFit/>
+          </a:bodyPr>
+          <a:lstStyle/>
+          <a:p>
+            <a:r>
+              <a:rPr lang="en-GB" dirty="0" smtClean="0"/>
+              <a:t>argument</a:t>
+            </a:r>
+            <a:endParaRPr lang="en-GB" dirty="0"/>
+          </a:p>
+        </p:txBody>
+      </p:sp>
+      <p:sp>
+        <p:nvSpPr>
+          <p:cNvPr id="20" name="Tekstfelt 19"/>
+          <p:cNvSpPr txBox="1"/>
+          <p:nvPr/>
+        </p:nvSpPr>
+        <p:spPr>
+          <a:xfrm rot="19553432">
+            <a:off x="5614206" y="4868675"/>
+            <a:ext cx="1107996" cy="646331"/>
+          </a:xfrm>
+          <a:prstGeom prst="rect">
+            <a:avLst/>
+          </a:prstGeom>
+          <a:noFill/>
+        </p:spPr>
+        <p:txBody>
+          <a:bodyPr wrap="none" rtlCol="0">
+            <a:spAutoFit/>
+          </a:bodyPr>
+          <a:lstStyle/>
+          <a:p>
+            <a:pPr algn="ctr"/>
+            <a:r>
+              <a:rPr lang="en-GB" dirty="0" smtClean="0"/>
+              <a:t>r</a:t>
+            </a:r>
+            <a:r>
+              <a:rPr lang="en-GB" dirty="0" smtClean="0"/>
+              <a:t>ecursive</a:t>
+            </a:r>
+          </a:p>
+          <a:p>
+            <a:pPr algn="ctr"/>
+            <a:r>
+              <a:rPr lang="en-GB" dirty="0" smtClean="0"/>
+              <a:t>argument</a:t>
+            </a:r>
+            <a:endParaRPr lang="en-GB" dirty="0"/>
+          </a:p>
+        </p:txBody>
+      </p:sp>
+      <p:sp>
+        <p:nvSpPr>
+          <p:cNvPr id="21" name="Venstre klammeparentes 20"/>
+          <p:cNvSpPr/>
+          <p:nvPr/>
+        </p:nvSpPr>
+        <p:spPr>
+          <a:xfrm rot="16200000">
+            <a:off x="4810207" y="3973780"/>
+            <a:ext cx="328734" cy="3667092"/>
+          </a:xfrm>
+          <a:prstGeom prst="leftBrace">
+            <a:avLst/>
+          </a:prstGeom>
+          <a:ln/>
+        </p:spPr>
+        <p:style>
+          <a:lnRef idx="3">
+            <a:schemeClr val="dk1"/>
+          </a:lnRef>
+          <a:fillRef idx="0">
+            <a:schemeClr val="dk1"/>
+          </a:fillRef>
+          <a:effectRef idx="2">
+            <a:schemeClr val="dk1"/>
+          </a:effectRef>
+          <a:fontRef idx="minor">
+            <a:schemeClr val="tx1"/>
+          </a:fontRef>
+        </p:style>
+        <p:txBody>
+          <a:bodyPr/>
+          <a:lstStyle/>
+          <a:p>
+            <a:endParaRPr lang="en-GB">
+              <a:ln>
+                <a:solidFill>
+                  <a:srgbClr val="000000"/>
+                </a:solidFill>
+              </a:ln>
+            </a:endParaRPr>
+          </a:p>
+        </p:txBody>
+      </p:sp>
+      <p:sp>
+        <p:nvSpPr>
+          <p:cNvPr id="22" name="Tekstfelt 21"/>
+          <p:cNvSpPr txBox="1"/>
+          <p:nvPr/>
+        </p:nvSpPr>
+        <p:spPr>
+          <a:xfrm rot="19553432">
+            <a:off x="4323577" y="6048796"/>
+            <a:ext cx="1235021" cy="646331"/>
+          </a:xfrm>
+          <a:prstGeom prst="rect">
+            <a:avLst/>
+          </a:prstGeom>
+          <a:noFill/>
+        </p:spPr>
+        <p:txBody>
+          <a:bodyPr wrap="none" rtlCol="0">
+            <a:spAutoFit/>
+          </a:bodyPr>
+          <a:lstStyle/>
+          <a:p>
+            <a:pPr algn="ctr"/>
+            <a:r>
+              <a:rPr lang="en-GB" dirty="0"/>
+              <a:t>d</a:t>
+            </a:r>
+            <a:r>
+              <a:rPr lang="en-GB" dirty="0" smtClean="0"/>
+              <a:t>ata</a:t>
+            </a:r>
+          </a:p>
+          <a:p>
+            <a:pPr algn="ctr"/>
+            <a:r>
+              <a:rPr lang="en-GB" dirty="0" smtClean="0"/>
+              <a:t>description</a:t>
+            </a:r>
+            <a:endParaRPr lang="en-GB" dirty="0" smtClean="0"/>
+          </a:p>
+        </p:txBody>
+      </p:sp>
+      <p:sp>
+        <p:nvSpPr>
+          <p:cNvPr id="23" name="Venstre klammeparentes 22"/>
+          <p:cNvSpPr/>
+          <p:nvPr/>
+        </p:nvSpPr>
+        <p:spPr>
+          <a:xfrm rot="16200000">
+            <a:off x="7733589" y="4973524"/>
+            <a:ext cx="340708" cy="1593111"/>
+          </a:xfrm>
+          <a:prstGeom prst="leftBrace">
+            <a:avLst/>
+          </a:prstGeom>
+          <a:ln/>
+        </p:spPr>
+        <p:style>
+          <a:lnRef idx="3">
+            <a:schemeClr val="dk1"/>
+          </a:lnRef>
+          <a:fillRef idx="0">
+            <a:schemeClr val="dk1"/>
+          </a:fillRef>
+          <a:effectRef idx="2">
+            <a:schemeClr val="dk1"/>
+          </a:effectRef>
+          <a:fontRef idx="minor">
+            <a:schemeClr val="tx1"/>
+          </a:fontRef>
+        </p:style>
+        <p:txBody>
+          <a:bodyPr/>
+          <a:lstStyle/>
+          <a:p>
+            <a:endParaRPr lang="en-GB">
+              <a:ln>
+                <a:solidFill>
+                  <a:srgbClr val="000000"/>
+                </a:solidFill>
+              </a:ln>
+            </a:endParaRPr>
+          </a:p>
+        </p:txBody>
+      </p:sp>
+      <p:sp>
+        <p:nvSpPr>
+          <p:cNvPr id="24" name="Tekstfelt 23"/>
+          <p:cNvSpPr txBox="1"/>
+          <p:nvPr/>
+        </p:nvSpPr>
+        <p:spPr>
+          <a:xfrm rot="19553432">
+            <a:off x="7506512" y="4955014"/>
+            <a:ext cx="697627" cy="369332"/>
+          </a:xfrm>
+          <a:prstGeom prst="rect">
+            <a:avLst/>
+          </a:prstGeom>
+          <a:noFill/>
+        </p:spPr>
+        <p:txBody>
+          <a:bodyPr wrap="none" rtlCol="0">
+            <a:spAutoFit/>
+          </a:bodyPr>
+          <a:lstStyle/>
+          <a:p>
+            <a:r>
+              <a:rPr lang="en-GB" dirty="0" smtClean="0"/>
+              <a:t>index</a:t>
+            </a:r>
+            <a:endParaRPr lang="en-GB" dirty="0"/>
+          </a:p>
+        </p:txBody>
+      </p:sp>
+      <p:sp>
+        <p:nvSpPr>
+          <p:cNvPr id="25" name="Tekstfelt 24"/>
+          <p:cNvSpPr txBox="1"/>
+          <p:nvPr/>
+        </p:nvSpPr>
+        <p:spPr>
+          <a:xfrm rot="19553432">
+            <a:off x="7182378" y="6060770"/>
+            <a:ext cx="1235021" cy="646331"/>
+          </a:xfrm>
+          <a:prstGeom prst="rect">
+            <a:avLst/>
+          </a:prstGeom>
+          <a:noFill/>
+        </p:spPr>
+        <p:txBody>
+          <a:bodyPr wrap="none" rtlCol="0">
+            <a:spAutoFit/>
+          </a:bodyPr>
+          <a:lstStyle/>
+          <a:p>
+            <a:pPr algn="ctr"/>
+            <a:r>
+              <a:rPr lang="en-GB" dirty="0"/>
+              <a:t>r</a:t>
+            </a:r>
+            <a:r>
+              <a:rPr lang="en-GB" dirty="0" smtClean="0"/>
+              <a:t>esult type</a:t>
+            </a:r>
+            <a:endParaRPr lang="en-GB" dirty="0" smtClean="0"/>
+          </a:p>
+          <a:p>
+            <a:pPr algn="ctr"/>
+            <a:r>
+              <a:rPr lang="en-GB" dirty="0" smtClean="0"/>
+              <a:t>description</a:t>
+            </a:r>
+            <a:endParaRPr lang="en-GB" dirty="0" smtClean="0"/>
           </a:p>
         </p:txBody>
       </p:sp>

--- a/Figures/VectorDescription.pptx
+++ b/Figures/VectorDescription.pptx
@@ -288,7 +288,7 @@
           <a:p>
             <a:fld id="{4A558CC7-AE26-7E43-876B-01B3BA766050}" type="datetimeFigureOut">
               <a:rPr lang="da-DK" smtClean="0"/>
-              <a:t>29/05/14</a:t>
+              <a:t>31/05/14</a:t>
             </a:fld>
             <a:endParaRPr lang="en-GB"/>
           </a:p>
@@ -458,7 +458,7 @@
           <a:p>
             <a:fld id="{4A558CC7-AE26-7E43-876B-01B3BA766050}" type="datetimeFigureOut">
               <a:rPr lang="da-DK" smtClean="0"/>
-              <a:t>29/05/14</a:t>
+              <a:t>31/05/14</a:t>
             </a:fld>
             <a:endParaRPr lang="en-GB"/>
           </a:p>
@@ -638,7 +638,7 @@
           <a:p>
             <a:fld id="{4A558CC7-AE26-7E43-876B-01B3BA766050}" type="datetimeFigureOut">
               <a:rPr lang="da-DK" smtClean="0"/>
-              <a:t>29/05/14</a:t>
+              <a:t>31/05/14</a:t>
             </a:fld>
             <a:endParaRPr lang="en-GB"/>
           </a:p>
@@ -808,7 +808,7 @@
           <a:p>
             <a:fld id="{4A558CC7-AE26-7E43-876B-01B3BA766050}" type="datetimeFigureOut">
               <a:rPr lang="da-DK" smtClean="0"/>
-              <a:t>29/05/14</a:t>
+              <a:t>31/05/14</a:t>
             </a:fld>
             <a:endParaRPr lang="en-GB"/>
           </a:p>
@@ -1054,7 +1054,7 @@
           <a:p>
             <a:fld id="{4A558CC7-AE26-7E43-876B-01B3BA766050}" type="datetimeFigureOut">
               <a:rPr lang="da-DK" smtClean="0"/>
-              <a:t>29/05/14</a:t>
+              <a:t>31/05/14</a:t>
             </a:fld>
             <a:endParaRPr lang="en-GB"/>
           </a:p>
@@ -1342,7 +1342,7 @@
           <a:p>
             <a:fld id="{4A558CC7-AE26-7E43-876B-01B3BA766050}" type="datetimeFigureOut">
               <a:rPr lang="da-DK" smtClean="0"/>
-              <a:t>29/05/14</a:t>
+              <a:t>31/05/14</a:t>
             </a:fld>
             <a:endParaRPr lang="en-GB"/>
           </a:p>
@@ -1764,7 +1764,7 @@
           <a:p>
             <a:fld id="{4A558CC7-AE26-7E43-876B-01B3BA766050}" type="datetimeFigureOut">
               <a:rPr lang="da-DK" smtClean="0"/>
-              <a:t>29/05/14</a:t>
+              <a:t>31/05/14</a:t>
             </a:fld>
             <a:endParaRPr lang="en-GB"/>
           </a:p>
@@ -1882,7 +1882,7 @@
           <a:p>
             <a:fld id="{4A558CC7-AE26-7E43-876B-01B3BA766050}" type="datetimeFigureOut">
               <a:rPr lang="da-DK" smtClean="0"/>
-              <a:t>29/05/14</a:t>
+              <a:t>31/05/14</a:t>
             </a:fld>
             <a:endParaRPr lang="en-GB"/>
           </a:p>
@@ -1977,7 +1977,7 @@
           <a:p>
             <a:fld id="{4A558CC7-AE26-7E43-876B-01B3BA766050}" type="datetimeFigureOut">
               <a:rPr lang="da-DK" smtClean="0"/>
-              <a:t>29/05/14</a:t>
+              <a:t>31/05/14</a:t>
             </a:fld>
             <a:endParaRPr lang="en-GB"/>
           </a:p>
@@ -2254,7 +2254,7 @@
           <a:p>
             <a:fld id="{4A558CC7-AE26-7E43-876B-01B3BA766050}" type="datetimeFigureOut">
               <a:rPr lang="da-DK" smtClean="0"/>
-              <a:t>29/05/14</a:t>
+              <a:t>31/05/14</a:t>
             </a:fld>
             <a:endParaRPr lang="en-GB"/>
           </a:p>
@@ -2507,7 +2507,7 @@
           <a:p>
             <a:fld id="{4A558CC7-AE26-7E43-876B-01B3BA766050}" type="datetimeFigureOut">
               <a:rPr lang="da-DK" smtClean="0"/>
-              <a:t>29/05/14</a:t>
+              <a:t>31/05/14</a:t>
             </a:fld>
             <a:endParaRPr lang="en-GB"/>
           </a:p>
@@ -2720,7 +2720,7 @@
           <a:p>
             <a:fld id="{4A558CC7-AE26-7E43-876B-01B3BA766050}" type="datetimeFigureOut">
               <a:rPr lang="da-DK" smtClean="0"/>
-              <a:t>29/05/14</a:t>
+              <a:t>31/05/14</a:t>
             </a:fld>
             <a:endParaRPr lang="en-GB"/>
           </a:p>
@@ -3214,10 +3214,7 @@
             <a:r>
               <a:rPr lang="en-GB" dirty="0" err="1" smtClean="0">
                 <a:solidFill>
-                  <a:schemeClr val="accent2">
-                    <a:lumMod val="40000"/>
-                    <a:lumOff val="60000"/>
-                  </a:schemeClr>
+                  <a:schemeClr val="accent2"/>
                 </a:solidFill>
                 <a:latin typeface="Lucida Console"/>
                 <a:cs typeface="Lucida Console"/>
@@ -3227,10 +3224,7 @@
             <a:r>
               <a:rPr lang="en-GB" dirty="0" smtClean="0">
                 <a:solidFill>
-                  <a:schemeClr val="accent2">
-                    <a:lumMod val="40000"/>
-                    <a:lumOff val="60000"/>
-                  </a:schemeClr>
+                  <a:schemeClr val="accent2"/>
                 </a:solidFill>
                 <a:latin typeface="Lucida Console"/>
                 <a:cs typeface="Lucida Console"/>
@@ -3306,34 +3300,40 @@
             <a:r>
               <a:rPr lang="en-GB" dirty="0" err="1" smtClean="0">
                 <a:solidFill>
+                  <a:srgbClr val="C0504D"/>
+                </a:solidFill>
+                <a:latin typeface="Lucida Console"/>
+                <a:cs typeface="Lucida Console"/>
+              </a:rPr>
+              <a:t>VecDesc</a:t>
+            </a:r>
+            <a:r>
+              <a:rPr lang="en-GB" dirty="0" smtClean="0">
+                <a:solidFill>
+                  <a:srgbClr val="C0504D"/>
+                </a:solidFill>
+                <a:latin typeface="Lucida Console"/>
+                <a:cs typeface="Lucida Console"/>
+              </a:rPr>
+              <a:t> </a:t>
+            </a:r>
+            <a:r>
+              <a:rPr lang="en-GB" dirty="0" smtClean="0">
+                <a:solidFill>
                   <a:srgbClr val="E6B9B8"/>
                 </a:solidFill>
                 <a:latin typeface="Lucida Console"/>
                 <a:cs typeface="Lucida Console"/>
               </a:rPr>
-              <a:t>VecDesc</a:t>
+              <a:t>a</a:t>
             </a:r>
             <a:r>
               <a:rPr lang="en-GB" dirty="0" smtClean="0">
-                <a:solidFill>
-                  <a:srgbClr val="E6B9B8"/>
-                </a:solidFill>
-                <a:latin typeface="Lucida Console"/>
-                <a:cs typeface="Lucida Console"/>
-              </a:rPr>
-              <a:t> a</a:t>
-            </a:r>
-            <a:r>
-              <a:rPr lang="en-GB" dirty="0" smtClean="0">
                 <a:latin typeface="Lucida Console"/>
                 <a:cs typeface="Lucida Console"/>
               </a:rPr>
               <a:t> = </a:t>
             </a:r>
-            <a:endParaRPr lang="en-GB" dirty="0" smtClean="0">
-              <a:latin typeface="Lucida Console"/>
-              <a:cs typeface="Lucida Console"/>
-            </a:endParaRPr>
           </a:p>
           <a:p>
             <a:r>
@@ -3400,48 +3400,34 @@
                 <a:latin typeface="Lucida Console"/>
                 <a:cs typeface="Lucida Console"/>
               </a:rPr>
-              <a:t>(</a:t>
+              <a:t>(\</a:t>
+            </a:r>
+            <a:r>
+              <a:rPr lang="en-GB" dirty="0" err="1" smtClean="0">
+                <a:solidFill>
+                  <a:srgbClr val="E6B9B8"/>
+                </a:solidFill>
+                <a:latin typeface="Lucida Console"/>
+                <a:cs typeface="Lucida Console"/>
+              </a:rPr>
+              <a:t>isNil</a:t>
             </a:r>
             <a:r>
               <a:rPr lang="en-GB" dirty="0" smtClean="0">
-                <a:latin typeface="Lucida Console"/>
-                <a:cs typeface="Lucida Console"/>
-              </a:rPr>
-              <a:t>\</a:t>
-            </a:r>
-            <a:r>
-              <a:rPr lang="en-GB" dirty="0" err="1" smtClean="0">
                 <a:solidFill>
                   <a:srgbClr val="E6B9B8"/>
                 </a:solidFill>
                 <a:latin typeface="Lucida Console"/>
                 <a:cs typeface="Lucida Console"/>
               </a:rPr>
-              <a:t>isNil</a:t>
+              <a:t> </a:t>
             </a:r>
             <a:r>
               <a:rPr lang="en-GB" dirty="0" smtClean="0">
-                <a:solidFill>
-                  <a:srgbClr val="E6B9B8"/>
-                </a:solidFill>
-                <a:latin typeface="Lucida Console"/>
-                <a:cs typeface="Lucida Console"/>
-              </a:rPr>
-              <a:t> </a:t>
-            </a:r>
-            <a:r>
-              <a:rPr lang="en-GB" dirty="0" smtClean="0">
-                <a:latin typeface="Lucida Console"/>
-                <a:cs typeface="Lucida Console"/>
-              </a:rPr>
-              <a:t>=</a:t>
-            </a:r>
-            <a:r>
-              <a:rPr lang="en-GB" dirty="0" smtClean="0">
-                <a:latin typeface="Lucida Console"/>
-                <a:cs typeface="Lucida Console"/>
-              </a:rPr>
-              <a:t>&gt; </a:t>
+                <a:latin typeface="Lucida Console"/>
+                <a:cs typeface="Lucida Console"/>
+              </a:rPr>
+              <a:t>=&gt; </a:t>
             </a:r>
             <a:r>
               <a:rPr lang="en-GB" b="1" dirty="0" smtClean="0">
@@ -3481,6 +3467,46 @@
                 <a:latin typeface="Lucida Console"/>
                 <a:cs typeface="Lucida Console"/>
               </a:rPr>
+              <a:t>	     	</a:t>
+            </a:r>
+            <a:r>
+              <a:rPr lang="en-GB" b="1" dirty="0" smtClean="0">
+                <a:latin typeface="Lucida Console"/>
+                <a:cs typeface="Lucida Console"/>
+              </a:rPr>
+              <a:t>then</a:t>
+            </a:r>
+            <a:r>
+              <a:rPr lang="en-GB" dirty="0" smtClean="0">
+                <a:latin typeface="Lucida Console"/>
+                <a:cs typeface="Lucida Console"/>
+              </a:rPr>
+              <a:t> </a:t>
+            </a:r>
+            <a:r>
+              <a:rPr lang="en-GB" dirty="0" smtClean="0">
+                <a:solidFill>
+                  <a:srgbClr val="9BBB59"/>
+                </a:solidFill>
+                <a:latin typeface="Lucida Console"/>
+                <a:cs typeface="Lucida Console"/>
+              </a:rPr>
+              <a:t>Ret</a:t>
+            </a:r>
+            <a:r>
+              <a:rPr lang="en-GB" dirty="0" smtClean="0">
+                <a:latin typeface="Lucida Console"/>
+                <a:cs typeface="Lucida Console"/>
+              </a:rPr>
+              <a:t> Z</a:t>
+            </a:r>
+          </a:p>
+          <a:p>
+            <a:r>
+              <a:rPr lang="en-GB" dirty="0">
+                <a:latin typeface="Lucida Console"/>
+                <a:cs typeface="Lucida Console"/>
+              </a:rPr>
               <a:t>	</a:t>
             </a:r>
             <a:r>
@@ -3488,24 +3514,37 @@
                 <a:latin typeface="Lucida Console"/>
                 <a:cs typeface="Lucida Console"/>
               </a:rPr>
-              <a:t>     </a:t>
+              <a:t>		</a:t>
+            </a:r>
+            <a:r>
+              <a:rPr lang="en-GB" b="1" dirty="0" smtClean="0">
+                <a:latin typeface="Lucida Console"/>
+                <a:cs typeface="Lucida Console"/>
+              </a:rPr>
+              <a:t>else</a:t>
             </a:r>
             <a:r>
               <a:rPr lang="en-GB" dirty="0" smtClean="0">
                 <a:latin typeface="Lucida Console"/>
                 <a:cs typeface="Lucida Console"/>
               </a:rPr>
-              <a:t>	</a:t>
-            </a:r>
-            <a:r>
-              <a:rPr lang="en-GB" b="1" dirty="0" smtClean="0">
-                <a:latin typeface="Lucida Console"/>
-                <a:cs typeface="Lucida Console"/>
-              </a:rPr>
-              <a:t>then</a:t>
+              <a:t> </a:t>
+            </a:r>
+            <a:r>
+              <a:rPr lang="en-GB" dirty="0" err="1" smtClean="0">
+                <a:solidFill>
+                  <a:srgbClr val="9BBB59"/>
+                </a:solidFill>
+                <a:latin typeface="Lucida Console"/>
+                <a:cs typeface="Lucida Console"/>
+              </a:rPr>
+              <a:t>Arg</a:t>
             </a:r>
             <a:r>
               <a:rPr lang="en-GB" dirty="0" smtClean="0">
+                <a:solidFill>
+                  <a:srgbClr val="9BBB59"/>
+                </a:solidFill>
                 <a:latin typeface="Lucida Console"/>
                 <a:cs typeface="Lucida Console"/>
               </a:rPr>
@@ -3514,115 +3553,37 @@
             <a:r>
               <a:rPr lang="en-GB" dirty="0" smtClean="0">
                 <a:solidFill>
-                  <a:srgbClr val="9BBB59"/>
-                </a:solidFill>
-                <a:latin typeface="Lucida Console"/>
-                <a:cs typeface="Lucida Console"/>
-              </a:rPr>
-              <a:t>Ret</a:t>
+                  <a:srgbClr val="8EB4E3"/>
+                </a:solidFill>
+                <a:latin typeface="Lucida Console"/>
+                <a:cs typeface="Lucida Console"/>
+              </a:rPr>
+              <a:t>Nat</a:t>
             </a:r>
             <a:r>
               <a:rPr lang="en-GB" dirty="0" smtClean="0">
                 <a:latin typeface="Lucida Console"/>
                 <a:cs typeface="Lucida Console"/>
               </a:rPr>
-              <a:t> Z</a:t>
-            </a:r>
-          </a:p>
-          <a:p>
-            <a:r>
-              <a:rPr lang="en-GB" dirty="0">
-                <a:latin typeface="Lucida Console"/>
-                <a:cs typeface="Lucida Console"/>
-              </a:rPr>
-              <a:t>	</a:t>
+              <a:t> (\</a:t>
             </a:r>
             <a:r>
               <a:rPr lang="en-GB" dirty="0" smtClean="0">
-                <a:latin typeface="Lucida Console"/>
-                <a:cs typeface="Lucida Console"/>
-              </a:rPr>
-              <a:t>		</a:t>
-            </a:r>
-            <a:r>
-              <a:rPr lang="en-GB" b="1" dirty="0" smtClean="0">
-                <a:latin typeface="Lucida Console"/>
-                <a:cs typeface="Lucida Console"/>
-              </a:rPr>
-              <a:t>else</a:t>
+                <a:solidFill>
+                  <a:srgbClr val="E6B9B8"/>
+                </a:solidFill>
+                <a:latin typeface="Lucida Console"/>
+                <a:cs typeface="Lucida Console"/>
+              </a:rPr>
+              <a:t>n</a:t>
             </a:r>
             <a:r>
               <a:rPr lang="en-GB" dirty="0" smtClean="0">
                 <a:latin typeface="Lucida Console"/>
                 <a:cs typeface="Lucida Console"/>
               </a:rPr>
-              <a:t> </a:t>
-            </a:r>
-            <a:r>
-              <a:rPr lang="en-GB" dirty="0" err="1" smtClean="0">
-                <a:solidFill>
-                  <a:srgbClr val="9BBB59"/>
-                </a:solidFill>
-                <a:latin typeface="Lucida Console"/>
-                <a:cs typeface="Lucida Console"/>
-              </a:rPr>
-              <a:t>Arg</a:t>
-            </a:r>
-            <a:r>
-              <a:rPr lang="en-GB" dirty="0" smtClean="0">
-                <a:solidFill>
-                  <a:srgbClr val="9BBB59"/>
-                </a:solidFill>
-                <a:latin typeface="Lucida Console"/>
-                <a:cs typeface="Lucida Console"/>
-              </a:rPr>
-              <a:t> </a:t>
-            </a:r>
-            <a:r>
-              <a:rPr lang="en-GB" dirty="0" smtClean="0">
-                <a:solidFill>
-                  <a:srgbClr val="8EB4E3"/>
-                </a:solidFill>
-                <a:latin typeface="Lucida Console"/>
-                <a:cs typeface="Lucida Console"/>
-              </a:rPr>
-              <a:t>Nat</a:t>
-            </a:r>
-            <a:r>
-              <a:rPr lang="en-GB" dirty="0" smtClean="0">
-                <a:latin typeface="Lucida Console"/>
-                <a:cs typeface="Lucida Console"/>
-              </a:rPr>
-              <a:t> (\</a:t>
-            </a:r>
-            <a:r>
-              <a:rPr lang="en-GB" dirty="0" smtClean="0">
-                <a:solidFill>
-                  <a:srgbClr val="E6B9B8"/>
-                </a:solidFill>
-                <a:latin typeface="Lucida Console"/>
-                <a:cs typeface="Lucida Console"/>
-              </a:rPr>
-              <a:t>n</a:t>
-            </a:r>
-            <a:r>
-              <a:rPr lang="en-GB" dirty="0" smtClean="0">
-                <a:latin typeface="Lucida Console"/>
-                <a:cs typeface="Lucida Console"/>
-              </a:rPr>
-              <a:t>=</a:t>
-            </a:r>
-            <a:r>
-              <a:rPr lang="en-GB" dirty="0" smtClean="0">
-                <a:latin typeface="Lucida Console"/>
-                <a:cs typeface="Lucida Console"/>
-              </a:rPr>
-              <a:t>&gt; </a:t>
-            </a:r>
-            <a:endParaRPr lang="en-GB" dirty="0" smtClean="0">
-              <a:latin typeface="Lucida Console"/>
-              <a:cs typeface="Lucida Console"/>
-            </a:endParaRPr>
+              <a:t>=&gt; </a:t>
+            </a:r>
           </a:p>
           <a:p>
             <a:r>
@@ -3683,28 +3644,7 @@
                 <a:latin typeface="Lucida Console"/>
                 <a:cs typeface="Lucida Console"/>
               </a:rPr>
-              <a:t>(</a:t>
-            </a:r>
-            <a:r>
-              <a:rPr lang="en-GB" dirty="0" smtClean="0">
-                <a:latin typeface="Lucida Console"/>
-                <a:cs typeface="Lucida Console"/>
-              </a:rPr>
-              <a:t>\</a:t>
-            </a:r>
-            <a:r>
-              <a:rPr lang="en-GB" dirty="0" smtClean="0">
-                <a:latin typeface="Lucida Console"/>
-                <a:cs typeface="Lucida Console"/>
-              </a:rPr>
-              <a:t>_=</a:t>
-            </a:r>
-            <a:r>
-              <a:rPr lang="en-GB" dirty="0" smtClean="0">
-                <a:latin typeface="Lucida Console"/>
-                <a:cs typeface="Lucida Console"/>
-              </a:rPr>
-              <a:t>&gt; </a:t>
+              <a:t>(\_=&gt; </a:t>
             </a:r>
             <a:r>
               <a:rPr lang="en-GB" dirty="0" smtClean="0">
@@ -3860,11 +3800,7 @@
             </a:r>
             <a:r>
               <a:rPr lang="en-GB" dirty="0" smtClean="0"/>
-              <a:t>ata </a:t>
-            </a:r>
-            <a:r>
-              <a:rPr lang="en-GB" dirty="0" smtClean="0"/>
-              <a:t>constructor</a:t>
+              <a:t>ata constructor</a:t>
             </a:r>
           </a:p>
           <a:p>
@@ -4105,11 +4041,7 @@
             <a:pPr algn="ctr"/>
             <a:r>
               <a:rPr lang="en-GB" dirty="0" smtClean="0"/>
-              <a:t>d</a:t>
-            </a:r>
-            <a:r>
-              <a:rPr lang="en-GB" dirty="0" smtClean="0"/>
-              <a:t>escription</a:t>
+              <a:t>description</a:t>
             </a:r>
           </a:p>
         </p:txBody>
@@ -4375,11 +4307,7 @@
             <a:pPr algn="ctr"/>
             <a:r>
               <a:rPr lang="en-GB" dirty="0" smtClean="0"/>
-              <a:t>r</a:t>
-            </a:r>
-            <a:r>
-              <a:rPr lang="en-GB" dirty="0" smtClean="0"/>
-              <a:t>ecursive</a:t>
+              <a:t>recursive</a:t>
             </a:r>
           </a:p>
           <a:p>
@@ -4474,7 +4402,6 @@
               <a:rPr lang="en-GB" dirty="0" smtClean="0"/>
               <a:t>description</a:t>
             </a:r>
-            <a:endParaRPr lang="en-GB" dirty="0" smtClean="0"/>
           </a:p>
         </p:txBody>
       </p:sp>
@@ -4583,7 +4510,6 @@
               <a:rPr lang="en-GB" dirty="0" smtClean="0"/>
               <a:t>esult type</a:t>
             </a:r>
-            <a:endParaRPr lang="en-GB" dirty="0" smtClean="0"/>
           </a:p>
           <a:p>
             <a:pPr algn="ctr"/>
@@ -4591,7 +4517,6 @@
               <a:rPr lang="en-GB" dirty="0" smtClean="0"/>
               <a:t>description</a:t>
             </a:r>
-            <a:endParaRPr lang="en-GB" dirty="0" smtClean="0"/>
           </a:p>
         </p:txBody>
       </p:sp>

--- a/Figures/VectorDescription.pptx
+++ b/Figures/VectorDescription.pptx
@@ -288,7 +288,7 @@
           <a:p>
             <a:fld id="{4A558CC7-AE26-7E43-876B-01B3BA766050}" type="datetimeFigureOut">
               <a:rPr lang="da-DK" smtClean="0"/>
-              <a:t>31/05/14</a:t>
+              <a:t>11/07/14</a:t>
             </a:fld>
             <a:endParaRPr lang="en-GB"/>
           </a:p>
@@ -458,7 +458,7 @@
           <a:p>
             <a:fld id="{4A558CC7-AE26-7E43-876B-01B3BA766050}" type="datetimeFigureOut">
               <a:rPr lang="da-DK" smtClean="0"/>
-              <a:t>31/05/14</a:t>
+              <a:t>11/07/14</a:t>
             </a:fld>
             <a:endParaRPr lang="en-GB"/>
           </a:p>
@@ -638,7 +638,7 @@
           <a:p>
             <a:fld id="{4A558CC7-AE26-7E43-876B-01B3BA766050}" type="datetimeFigureOut">
               <a:rPr lang="da-DK" smtClean="0"/>
-              <a:t>31/05/14</a:t>
+              <a:t>11/07/14</a:t>
             </a:fld>
             <a:endParaRPr lang="en-GB"/>
           </a:p>
@@ -808,7 +808,7 @@
           <a:p>
             <a:fld id="{4A558CC7-AE26-7E43-876B-01B3BA766050}" type="datetimeFigureOut">
               <a:rPr lang="da-DK" smtClean="0"/>
-              <a:t>31/05/14</a:t>
+              <a:t>11/07/14</a:t>
             </a:fld>
             <a:endParaRPr lang="en-GB"/>
           </a:p>
@@ -1054,7 +1054,7 @@
           <a:p>
             <a:fld id="{4A558CC7-AE26-7E43-876B-01B3BA766050}" type="datetimeFigureOut">
               <a:rPr lang="da-DK" smtClean="0"/>
-              <a:t>31/05/14</a:t>
+              <a:t>11/07/14</a:t>
             </a:fld>
             <a:endParaRPr lang="en-GB"/>
           </a:p>
@@ -1342,7 +1342,7 @@
           <a:p>
             <a:fld id="{4A558CC7-AE26-7E43-876B-01B3BA766050}" type="datetimeFigureOut">
               <a:rPr lang="da-DK" smtClean="0"/>
-              <a:t>31/05/14</a:t>
+              <a:t>11/07/14</a:t>
             </a:fld>
             <a:endParaRPr lang="en-GB"/>
           </a:p>
@@ -1764,7 +1764,7 @@
           <a:p>
             <a:fld id="{4A558CC7-AE26-7E43-876B-01B3BA766050}" type="datetimeFigureOut">
               <a:rPr lang="da-DK" smtClean="0"/>
-              <a:t>31/05/14</a:t>
+              <a:t>11/07/14</a:t>
             </a:fld>
             <a:endParaRPr lang="en-GB"/>
           </a:p>
@@ -1882,7 +1882,7 @@
           <a:p>
             <a:fld id="{4A558CC7-AE26-7E43-876B-01B3BA766050}" type="datetimeFigureOut">
               <a:rPr lang="da-DK" smtClean="0"/>
-              <a:t>31/05/14</a:t>
+              <a:t>11/07/14</a:t>
             </a:fld>
             <a:endParaRPr lang="en-GB"/>
           </a:p>
@@ -1977,7 +1977,7 @@
           <a:p>
             <a:fld id="{4A558CC7-AE26-7E43-876B-01B3BA766050}" type="datetimeFigureOut">
               <a:rPr lang="da-DK" smtClean="0"/>
-              <a:t>31/05/14</a:t>
+              <a:t>11/07/14</a:t>
             </a:fld>
             <a:endParaRPr lang="en-GB"/>
           </a:p>
@@ -2254,7 +2254,7 @@
           <a:p>
             <a:fld id="{4A558CC7-AE26-7E43-876B-01B3BA766050}" type="datetimeFigureOut">
               <a:rPr lang="da-DK" smtClean="0"/>
-              <a:t>31/05/14</a:t>
+              <a:t>11/07/14</a:t>
             </a:fld>
             <a:endParaRPr lang="en-GB"/>
           </a:p>
@@ -2507,7 +2507,7 @@
           <a:p>
             <a:fld id="{4A558CC7-AE26-7E43-876B-01B3BA766050}" type="datetimeFigureOut">
               <a:rPr lang="da-DK" smtClean="0"/>
-              <a:t>31/05/14</a:t>
+              <a:t>11/07/14</a:t>
             </a:fld>
             <a:endParaRPr lang="en-GB"/>
           </a:p>
@@ -2720,7 +2720,7 @@
           <a:p>
             <a:fld id="{4A558CC7-AE26-7E43-876B-01B3BA766050}" type="datetimeFigureOut">
               <a:rPr lang="da-DK" smtClean="0"/>
-              <a:t>31/05/14</a:t>
+              <a:t>11/07/14</a:t>
             </a:fld>
             <a:endParaRPr lang="en-GB"/>
           </a:p>
@@ -3498,7 +3498,17 @@
                 <a:latin typeface="Lucida Console"/>
                 <a:cs typeface="Lucida Console"/>
               </a:rPr>
-              <a:t> Z</a:t>
+              <a:t> </a:t>
+            </a:r>
+            <a:r>
+              <a:rPr lang="en-GB" dirty="0" smtClean="0">
+                <a:solidFill>
+                  <a:schemeClr val="accent3"/>
+                </a:solidFill>
+                <a:latin typeface="Lucida Console"/>
+                <a:cs typeface="Lucida Console"/>
+              </a:rPr>
+              <a:t>Z</a:t>
             </a:r>
           </a:p>
           <a:p>
@@ -3644,7 +3654,24 @@
                 <a:latin typeface="Lucida Console"/>
                 <a:cs typeface="Lucida Console"/>
               </a:rPr>
-              <a:t>(\_=&gt; </a:t>
+              <a:t>(\</a:t>
+            </a:r>
+            <a:r>
+              <a:rPr lang="en-GB" dirty="0" smtClean="0">
+                <a:solidFill>
+                  <a:srgbClr val="E6B9B8"/>
+                </a:solidFill>
+                <a:latin typeface="Lucida Console"/>
+                <a:cs typeface="Lucida Console"/>
+              </a:rPr>
+              <a:t>x</a:t>
+            </a:r>
+            <a:r>
+              <a:rPr lang="en-GB" dirty="0" smtClean="0">
+                <a:latin typeface="Lucida Console"/>
+                <a:cs typeface="Lucida Console"/>
+              </a:rPr>
+              <a:t>=&gt; </a:t>
             </a:r>
             <a:r>
               <a:rPr lang="en-GB" dirty="0" smtClean="0">
